--- a/BMT-209.pptx
+++ b/BMT-209.pptx
@@ -8,13 +8,16 @@
     <p:sldId id="256" r:id="rId2"/>
     <p:sldId id="257" r:id="rId3"/>
     <p:sldId id="258" r:id="rId4"/>
-    <p:sldId id="259" r:id="rId5"/>
-    <p:sldId id="260" r:id="rId6"/>
-    <p:sldId id="267" r:id="rId7"/>
-    <p:sldId id="261" r:id="rId8"/>
-    <p:sldId id="262" r:id="rId9"/>
-    <p:sldId id="266" r:id="rId10"/>
-    <p:sldId id="268" r:id="rId11"/>
+    <p:sldId id="269" r:id="rId5"/>
+    <p:sldId id="270" r:id="rId6"/>
+    <p:sldId id="271" r:id="rId7"/>
+    <p:sldId id="259" r:id="rId8"/>
+    <p:sldId id="260" r:id="rId9"/>
+    <p:sldId id="267" r:id="rId10"/>
+    <p:sldId id="261" r:id="rId11"/>
+    <p:sldId id="262" r:id="rId12"/>
+    <p:sldId id="266" r:id="rId13"/>
+    <p:sldId id="268" r:id="rId14"/>
   </p:sldIdLst>
   <p:sldSz cx="12192000" cy="6858000"/>
   <p:notesSz cx="6858000" cy="9144000"/>
@@ -252,7 +255,7 @@
           <a:p>
             <a:fld id="{1059FBDD-58AA-4DC7-AD1B-0CC66A756E8A}" type="datetimeFigureOut">
               <a:rPr lang="tr-TR" smtClean="0"/>
-              <a:t>25.12.2022</a:t>
+              <a:t>26.12.2022</a:t>
             </a:fld>
             <a:endParaRPr lang="tr-TR"/>
           </a:p>
@@ -422,7 +425,7 @@
           <a:p>
             <a:fld id="{1059FBDD-58AA-4DC7-AD1B-0CC66A756E8A}" type="datetimeFigureOut">
               <a:rPr lang="tr-TR" smtClean="0"/>
-              <a:t>25.12.2022</a:t>
+              <a:t>26.12.2022</a:t>
             </a:fld>
             <a:endParaRPr lang="tr-TR"/>
           </a:p>
@@ -602,7 +605,7 @@
           <a:p>
             <a:fld id="{1059FBDD-58AA-4DC7-AD1B-0CC66A756E8A}" type="datetimeFigureOut">
               <a:rPr lang="tr-TR" smtClean="0"/>
-              <a:t>25.12.2022</a:t>
+              <a:t>26.12.2022</a:t>
             </a:fld>
             <a:endParaRPr lang="tr-TR"/>
           </a:p>
@@ -772,7 +775,7 @@
           <a:p>
             <a:fld id="{1059FBDD-58AA-4DC7-AD1B-0CC66A756E8A}" type="datetimeFigureOut">
               <a:rPr lang="tr-TR" smtClean="0"/>
-              <a:t>25.12.2022</a:t>
+              <a:t>26.12.2022</a:t>
             </a:fld>
             <a:endParaRPr lang="tr-TR"/>
           </a:p>
@@ -1018,7 +1021,7 @@
           <a:p>
             <a:fld id="{1059FBDD-58AA-4DC7-AD1B-0CC66A756E8A}" type="datetimeFigureOut">
               <a:rPr lang="tr-TR" smtClean="0"/>
-              <a:t>25.12.2022</a:t>
+              <a:t>26.12.2022</a:t>
             </a:fld>
             <a:endParaRPr lang="tr-TR"/>
           </a:p>
@@ -1250,7 +1253,7 @@
           <a:p>
             <a:fld id="{1059FBDD-58AA-4DC7-AD1B-0CC66A756E8A}" type="datetimeFigureOut">
               <a:rPr lang="tr-TR" smtClean="0"/>
-              <a:t>25.12.2022</a:t>
+              <a:t>26.12.2022</a:t>
             </a:fld>
             <a:endParaRPr lang="tr-TR"/>
           </a:p>
@@ -1617,7 +1620,7 @@
           <a:p>
             <a:fld id="{1059FBDD-58AA-4DC7-AD1B-0CC66A756E8A}" type="datetimeFigureOut">
               <a:rPr lang="tr-TR" smtClean="0"/>
-              <a:t>25.12.2022</a:t>
+              <a:t>26.12.2022</a:t>
             </a:fld>
             <a:endParaRPr lang="tr-TR"/>
           </a:p>
@@ -1735,7 +1738,7 @@
           <a:p>
             <a:fld id="{1059FBDD-58AA-4DC7-AD1B-0CC66A756E8A}" type="datetimeFigureOut">
               <a:rPr lang="tr-TR" smtClean="0"/>
-              <a:t>25.12.2022</a:t>
+              <a:t>26.12.2022</a:t>
             </a:fld>
             <a:endParaRPr lang="tr-TR"/>
           </a:p>
@@ -1830,7 +1833,7 @@
           <a:p>
             <a:fld id="{1059FBDD-58AA-4DC7-AD1B-0CC66A756E8A}" type="datetimeFigureOut">
               <a:rPr lang="tr-TR" smtClean="0"/>
-              <a:t>25.12.2022</a:t>
+              <a:t>26.12.2022</a:t>
             </a:fld>
             <a:endParaRPr lang="tr-TR"/>
           </a:p>
@@ -2107,7 +2110,7 @@
           <a:p>
             <a:fld id="{1059FBDD-58AA-4DC7-AD1B-0CC66A756E8A}" type="datetimeFigureOut">
               <a:rPr lang="tr-TR" smtClean="0"/>
-              <a:t>25.12.2022</a:t>
+              <a:t>26.12.2022</a:t>
             </a:fld>
             <a:endParaRPr lang="tr-TR"/>
           </a:p>
@@ -2360,7 +2363,7 @@
           <a:p>
             <a:fld id="{1059FBDD-58AA-4DC7-AD1B-0CC66A756E8A}" type="datetimeFigureOut">
               <a:rPr lang="tr-TR" smtClean="0"/>
-              <a:t>25.12.2022</a:t>
+              <a:t>26.12.2022</a:t>
             </a:fld>
             <a:endParaRPr lang="tr-TR"/>
           </a:p>
@@ -2573,7 +2576,7 @@
           <a:p>
             <a:fld id="{1059FBDD-58AA-4DC7-AD1B-0CC66A756E8A}" type="datetimeFigureOut">
               <a:rPr lang="tr-TR" smtClean="0"/>
-              <a:t>25.12.2022</a:t>
+              <a:t>26.12.2022</a:t>
             </a:fld>
             <a:endParaRPr lang="tr-TR"/>
           </a:p>
@@ -3098,541 +3101,6 @@
           <a:chExt cx="0" cy="0"/>
         </a:xfrm>
       </p:grpSpPr>
-      <p:pic>
-        <p:nvPicPr>
-          <p:cNvPr id="5" name="İçerik Yer Tutucusu 4"/>
-          <p:cNvPicPr>
-            <a:picLocks noGrp="1" noChangeAspect="1"/>
-          </p:cNvPicPr>
-          <p:nvPr>
-            <p:ph sz="half" idx="1"/>
-          </p:nvPr>
-        </p:nvPicPr>
-        <p:blipFill>
-          <a:blip r:embed="rId2"/>
-          <a:stretch>
-            <a:fillRect/>
-          </a:stretch>
-        </p:blipFill>
-        <p:spPr>
-          <a:xfrm>
-            <a:off x="1" y="1"/>
-            <a:ext cx="6609806" cy="5839096"/>
-          </a:xfrm>
-          <a:prstGeom prst="rect">
-            <a:avLst/>
-          </a:prstGeom>
-        </p:spPr>
-      </p:pic>
-      <p:sp>
-        <p:nvSpPr>
-          <p:cNvPr id="4" name="İçerik Yer Tutucusu 3"/>
-          <p:cNvSpPr>
-            <a:spLocks noGrp="1"/>
-          </p:cNvSpPr>
-          <p:nvPr>
-            <p:ph sz="half" idx="2"/>
-          </p:nvPr>
-        </p:nvSpPr>
-        <p:spPr>
-          <a:xfrm>
-            <a:off x="7010400" y="937351"/>
-            <a:ext cx="5181600" cy="1191895"/>
-          </a:xfrm>
-        </p:spPr>
-        <p:txBody>
-          <a:bodyPr/>
-          <a:lstStyle/>
-          <a:p>
-            <a:pPr marL="0" indent="0">
-              <a:buNone/>
-            </a:pPr>
-            <a:r>
-              <a:rPr lang="tr-TR" dirty="0" smtClean="0"/>
-              <a:t>Bu main dosyası ile </a:t>
-            </a:r>
-            <a:r>
-              <a:rPr lang="tr-TR" dirty="0" err="1" smtClean="0"/>
-              <a:t>Swingi</a:t>
-            </a:r>
-            <a:r>
-              <a:rPr lang="tr-TR" dirty="0" smtClean="0"/>
-              <a:t> çalıştırıp görünür kılıyoruz.</a:t>
-            </a:r>
-            <a:endParaRPr lang="tr-TR" dirty="0"/>
-          </a:p>
-        </p:txBody>
-      </p:sp>
-    </p:spTree>
-    <p:extLst>
-      <p:ext uri="{BB962C8B-B14F-4D97-AF65-F5344CB8AC3E}">
-        <p14:creationId xmlns:p14="http://schemas.microsoft.com/office/powerpoint/2010/main" val="1136329240"/>
-      </p:ext>
-    </p:extLst>
-  </p:cSld>
-  <p:clrMapOvr>
-    <a:masterClrMapping/>
-  </p:clrMapOvr>
-</p:sld>
-</file>
-
-<file path=ppt/slides/slide2.xml><?xml version="1.0" encoding="utf-8"?>
-<p:sld xmlns:a="http://schemas.openxmlformats.org/drawingml/2006/main" xmlns:r="http://schemas.openxmlformats.org/officeDocument/2006/relationships" xmlns:p="http://schemas.openxmlformats.org/presentationml/2006/main">
-  <p:cSld>
-    <p:spTree>
-      <p:nvGrpSpPr>
-        <p:cNvPr id="1" name=""/>
-        <p:cNvGrpSpPr/>
-        <p:nvPr/>
-      </p:nvGrpSpPr>
-      <p:grpSpPr>
-        <a:xfrm>
-          <a:off x="0" y="0"/>
-          <a:ext cx="0" cy="0"/>
-          <a:chOff x="0" y="0"/>
-          <a:chExt cx="0" cy="0"/>
-        </a:xfrm>
-      </p:grpSpPr>
-      <p:sp>
-        <p:nvSpPr>
-          <p:cNvPr id="2" name="Unvan 1"/>
-          <p:cNvSpPr>
-            <a:spLocks noGrp="1"/>
-          </p:cNvSpPr>
-          <p:nvPr>
-            <p:ph type="title"/>
-          </p:nvPr>
-        </p:nvSpPr>
-        <p:spPr/>
-        <p:txBody>
-          <a:bodyPr/>
-          <a:lstStyle/>
-          <a:p>
-            <a:r>
-              <a:rPr lang="tr-TR" dirty="0" smtClean="0"/>
-              <a:t>Proje Özeti ve Kullanılan Teknolojiler:</a:t>
-            </a:r>
-            <a:endParaRPr lang="tr-TR" dirty="0"/>
-          </a:p>
-        </p:txBody>
-      </p:sp>
-      <p:sp>
-        <p:nvSpPr>
-          <p:cNvPr id="3" name="İçerik Yer Tutucusu 2"/>
-          <p:cNvSpPr>
-            <a:spLocks noGrp="1"/>
-          </p:cNvSpPr>
-          <p:nvPr>
-            <p:ph idx="1"/>
-          </p:nvPr>
-        </p:nvSpPr>
-        <p:spPr/>
-        <p:txBody>
-          <a:bodyPr/>
-          <a:lstStyle/>
-          <a:p>
-            <a:r>
-              <a:rPr lang="tr-TR" b="1" dirty="0" smtClean="0"/>
-              <a:t>Özet</a:t>
-            </a:r>
-            <a:r>
-              <a:rPr lang="tr-TR" dirty="0" smtClean="0"/>
-              <a:t>: Projemiz döviz işlemleri ve mesleğe göre belirlenen faizler ile kredi çekme imkanı sağlayan bir banka otomasyonudur.</a:t>
-            </a:r>
-          </a:p>
-          <a:p>
-            <a:r>
-              <a:rPr lang="tr-TR" b="1" dirty="0" smtClean="0"/>
-              <a:t>Teknolojiler</a:t>
-            </a:r>
-            <a:r>
-              <a:rPr lang="tr-TR" dirty="0" smtClean="0"/>
-              <a:t>: </a:t>
-            </a:r>
-            <a:r>
-              <a:rPr lang="tr-TR" dirty="0" err="1" smtClean="0"/>
-              <a:t>Getter-Setter,Inheritance,Encapsulation,Polymorphism,Swing,JSON</a:t>
-            </a:r>
-            <a:endParaRPr lang="tr-TR" dirty="0" smtClean="0"/>
-          </a:p>
-          <a:p>
-            <a:pPr marL="0" indent="0">
-              <a:buNone/>
-            </a:pPr>
-            <a:endParaRPr lang="tr-TR" dirty="0"/>
-          </a:p>
-        </p:txBody>
-      </p:sp>
-    </p:spTree>
-    <p:extLst>
-      <p:ext uri="{BB962C8B-B14F-4D97-AF65-F5344CB8AC3E}">
-        <p14:creationId xmlns:p14="http://schemas.microsoft.com/office/powerpoint/2010/main" val="1472162053"/>
-      </p:ext>
-    </p:extLst>
-  </p:cSld>
-  <p:clrMapOvr>
-    <a:masterClrMapping/>
-  </p:clrMapOvr>
-</p:sld>
-</file>
-
-<file path=ppt/slides/slide3.xml><?xml version="1.0" encoding="utf-8"?>
-<p:sld xmlns:a="http://schemas.openxmlformats.org/drawingml/2006/main" xmlns:r="http://schemas.openxmlformats.org/officeDocument/2006/relationships" xmlns:p="http://schemas.openxmlformats.org/presentationml/2006/main">
-  <p:cSld>
-    <p:spTree>
-      <p:nvGrpSpPr>
-        <p:cNvPr id="1" name=""/>
-        <p:cNvGrpSpPr/>
-        <p:nvPr/>
-      </p:nvGrpSpPr>
-      <p:grpSpPr>
-        <a:xfrm>
-          <a:off x="0" y="0"/>
-          <a:ext cx="0" cy="0"/>
-          <a:chOff x="0" y="0"/>
-          <a:chExt cx="0" cy="0"/>
-        </a:xfrm>
-      </p:grpSpPr>
-      <p:sp>
-        <p:nvSpPr>
-          <p:cNvPr id="2" name="Unvan 1"/>
-          <p:cNvSpPr>
-            <a:spLocks noGrp="1"/>
-          </p:cNvSpPr>
-          <p:nvPr>
-            <p:ph type="title"/>
-          </p:nvPr>
-        </p:nvSpPr>
-        <p:spPr/>
-        <p:txBody>
-          <a:bodyPr/>
-          <a:lstStyle/>
-          <a:p>
-            <a:endParaRPr lang="tr-TR" dirty="0"/>
-          </a:p>
-        </p:txBody>
-      </p:sp>
-      <p:pic>
-        <p:nvPicPr>
-          <p:cNvPr id="4" name="İçerik Yer Tutucusu 3"/>
-          <p:cNvPicPr>
-            <a:picLocks noGrp="1" noChangeAspect="1"/>
-          </p:cNvPicPr>
-          <p:nvPr>
-            <p:ph idx="1"/>
-          </p:nvPr>
-        </p:nvPicPr>
-        <p:blipFill>
-          <a:blip r:embed="rId2"/>
-          <a:stretch>
-            <a:fillRect/>
-          </a:stretch>
-        </p:blipFill>
-        <p:spPr>
-          <a:xfrm>
-            <a:off x="838200" y="218472"/>
-            <a:ext cx="10933611" cy="6639528"/>
-          </a:xfrm>
-          <a:prstGeom prst="rect">
-            <a:avLst/>
-          </a:prstGeom>
-        </p:spPr>
-      </p:pic>
-    </p:spTree>
-    <p:extLst>
-      <p:ext uri="{BB962C8B-B14F-4D97-AF65-F5344CB8AC3E}">
-        <p14:creationId xmlns:p14="http://schemas.microsoft.com/office/powerpoint/2010/main" val="1203596404"/>
-      </p:ext>
-    </p:extLst>
-  </p:cSld>
-  <p:clrMapOvr>
-    <a:masterClrMapping/>
-  </p:clrMapOvr>
-</p:sld>
-</file>
-
-<file path=ppt/slides/slide4.xml><?xml version="1.0" encoding="utf-8"?>
-<p:sld xmlns:a="http://schemas.openxmlformats.org/drawingml/2006/main" xmlns:r="http://schemas.openxmlformats.org/officeDocument/2006/relationships" xmlns:p="http://schemas.openxmlformats.org/presentationml/2006/main">
-  <p:cSld>
-    <p:spTree>
-      <p:nvGrpSpPr>
-        <p:cNvPr id="1" name=""/>
-        <p:cNvGrpSpPr/>
-        <p:nvPr/>
-      </p:nvGrpSpPr>
-      <p:grpSpPr>
-        <a:xfrm>
-          <a:off x="0" y="0"/>
-          <a:ext cx="0" cy="0"/>
-          <a:chOff x="0" y="0"/>
-          <a:chExt cx="0" cy="0"/>
-        </a:xfrm>
-      </p:grpSpPr>
-      <p:pic>
-        <p:nvPicPr>
-          <p:cNvPr id="4" name="İçerik Yer Tutucusu 3"/>
-          <p:cNvPicPr>
-            <a:picLocks noGrp="1" noChangeAspect="1"/>
-          </p:cNvPicPr>
-          <p:nvPr>
-            <p:ph sz="half" idx="1"/>
-          </p:nvPr>
-        </p:nvPicPr>
-        <p:blipFill>
-          <a:blip r:embed="rId2"/>
-          <a:stretch>
-            <a:fillRect/>
-          </a:stretch>
-        </p:blipFill>
-        <p:spPr>
-          <a:xfrm>
-            <a:off x="1" y="0"/>
-            <a:ext cx="12191999" cy="3500845"/>
-          </a:xfrm>
-          <a:prstGeom prst="rect">
-            <a:avLst/>
-          </a:prstGeom>
-        </p:spPr>
-      </p:pic>
-      <p:sp>
-        <p:nvSpPr>
-          <p:cNvPr id="6" name="İçerik Yer Tutucusu 5"/>
-          <p:cNvSpPr>
-            <a:spLocks noGrp="1"/>
-          </p:cNvSpPr>
-          <p:nvPr>
-            <p:ph sz="half" idx="2"/>
-          </p:nvPr>
-        </p:nvSpPr>
-        <p:spPr>
-          <a:xfrm>
-            <a:off x="0" y="3500845"/>
-            <a:ext cx="12192000" cy="3133317"/>
-          </a:xfrm>
-        </p:spPr>
-        <p:txBody>
-          <a:bodyPr/>
-          <a:lstStyle/>
-          <a:p>
-            <a:r>
-              <a:rPr lang="tr-TR" dirty="0" smtClean="0"/>
-              <a:t>Başlangıçta internetten veri çekerek döviz işlemlerini yapmayı planlamıştık. Fakat JSON ile çektiğimiz bu veriyi (yukarıdaki gibi) </a:t>
-            </a:r>
-            <a:r>
-              <a:rPr lang="tr-TR" dirty="0" err="1" smtClean="0"/>
-              <a:t>Swing</a:t>
-            </a:r>
-            <a:r>
-              <a:rPr lang="tr-TR" dirty="0" smtClean="0"/>
-              <a:t> ile </a:t>
-            </a:r>
-            <a:r>
-              <a:rPr lang="tr-TR" dirty="0" err="1" smtClean="0"/>
-              <a:t>arayüze</a:t>
-            </a:r>
-            <a:r>
-              <a:rPr lang="tr-TR" dirty="0" smtClean="0"/>
-              <a:t> ekleyemedik bir türlü. Bu yüzden kur değerlerini sabit bir şekilde elimizle girdik ve döviz işlemlerini bu şekilde yaptık.</a:t>
-            </a:r>
-            <a:endParaRPr lang="tr-TR" dirty="0"/>
-          </a:p>
-        </p:txBody>
-      </p:sp>
-    </p:spTree>
-    <p:extLst>
-      <p:ext uri="{BB962C8B-B14F-4D97-AF65-F5344CB8AC3E}">
-        <p14:creationId xmlns:p14="http://schemas.microsoft.com/office/powerpoint/2010/main" val="462317456"/>
-      </p:ext>
-    </p:extLst>
-  </p:cSld>
-  <p:clrMapOvr>
-    <a:masterClrMapping/>
-  </p:clrMapOvr>
-</p:sld>
-</file>
-
-<file path=ppt/slides/slide5.xml><?xml version="1.0" encoding="utf-8"?>
-<p:sld xmlns:a="http://schemas.openxmlformats.org/drawingml/2006/main" xmlns:r="http://schemas.openxmlformats.org/officeDocument/2006/relationships" xmlns:p="http://schemas.openxmlformats.org/presentationml/2006/main">
-  <p:cSld>
-    <p:spTree>
-      <p:nvGrpSpPr>
-        <p:cNvPr id="1" name=""/>
-        <p:cNvGrpSpPr/>
-        <p:nvPr/>
-      </p:nvGrpSpPr>
-      <p:grpSpPr>
-        <a:xfrm>
-          <a:off x="0" y="0"/>
-          <a:ext cx="0" cy="0"/>
-          <a:chOff x="0" y="0"/>
-          <a:chExt cx="0" cy="0"/>
-        </a:xfrm>
-      </p:grpSpPr>
-      <p:pic>
-        <p:nvPicPr>
-          <p:cNvPr id="5" name="İçerik Yer Tutucusu 4"/>
-          <p:cNvPicPr>
-            <a:picLocks noGrp="1" noChangeAspect="1"/>
-          </p:cNvPicPr>
-          <p:nvPr>
-            <p:ph sz="half" idx="1"/>
-          </p:nvPr>
-        </p:nvPicPr>
-        <p:blipFill>
-          <a:blip r:embed="rId2"/>
-          <a:stretch>
-            <a:fillRect/>
-          </a:stretch>
-        </p:blipFill>
-        <p:spPr>
-          <a:xfrm>
-            <a:off x="681446" y="1051335"/>
-            <a:ext cx="5181600" cy="4201746"/>
-          </a:xfrm>
-          <a:prstGeom prst="rect">
-            <a:avLst/>
-          </a:prstGeom>
-        </p:spPr>
-      </p:pic>
-      <p:sp>
-        <p:nvSpPr>
-          <p:cNvPr id="4" name="İçerik Yer Tutucusu 3"/>
-          <p:cNvSpPr>
-            <a:spLocks noGrp="1"/>
-          </p:cNvSpPr>
-          <p:nvPr>
-            <p:ph sz="half" idx="2"/>
-          </p:nvPr>
-        </p:nvSpPr>
-        <p:spPr>
-          <a:xfrm>
-            <a:off x="6133011" y="1051335"/>
-            <a:ext cx="5181600" cy="4351338"/>
-          </a:xfrm>
-        </p:spPr>
-        <p:txBody>
-          <a:bodyPr/>
-          <a:lstStyle/>
-          <a:p>
-            <a:r>
-              <a:rPr lang="tr-TR" dirty="0" smtClean="0"/>
-              <a:t>Programda aylık ne kadar ödeyeceği, totalde ne kadar ödeyeceği ve ne kadar faiz uygulanacağı gösteriliyor. Sabit bir şekilde kur değerleri gösteriliyor. Döviz işlemleri kısmında ise Türk Lirası kısmına kaç lira girdiyseniz hedef para (USD,EUR,GBP,ALTIN)birimindeki değerini gösteriyor.</a:t>
-            </a:r>
-          </a:p>
-        </p:txBody>
-      </p:sp>
-    </p:spTree>
-    <p:extLst>
-      <p:ext uri="{BB962C8B-B14F-4D97-AF65-F5344CB8AC3E}">
-        <p14:creationId xmlns:p14="http://schemas.microsoft.com/office/powerpoint/2010/main" val="1540771796"/>
-      </p:ext>
-    </p:extLst>
-  </p:cSld>
-  <p:clrMapOvr>
-    <a:masterClrMapping/>
-  </p:clrMapOvr>
-</p:sld>
-</file>
-
-<file path=ppt/slides/slide6.xml><?xml version="1.0" encoding="utf-8"?>
-<p:sld xmlns:a="http://schemas.openxmlformats.org/drawingml/2006/main" xmlns:r="http://schemas.openxmlformats.org/officeDocument/2006/relationships" xmlns:p="http://schemas.openxmlformats.org/presentationml/2006/main">
-  <p:cSld>
-    <p:spTree>
-      <p:nvGrpSpPr>
-        <p:cNvPr id="1" name=""/>
-        <p:cNvGrpSpPr/>
-        <p:nvPr/>
-      </p:nvGrpSpPr>
-      <p:grpSpPr>
-        <a:xfrm>
-          <a:off x="0" y="0"/>
-          <a:ext cx="0" cy="0"/>
-          <a:chOff x="0" y="0"/>
-          <a:chExt cx="0" cy="0"/>
-        </a:xfrm>
-      </p:grpSpPr>
-      <p:sp>
-        <p:nvSpPr>
-          <p:cNvPr id="2" name="Unvan 1"/>
-          <p:cNvSpPr>
-            <a:spLocks noGrp="1"/>
-          </p:cNvSpPr>
-          <p:nvPr>
-            <p:ph type="title"/>
-          </p:nvPr>
-        </p:nvSpPr>
-        <p:spPr/>
-        <p:txBody>
-          <a:bodyPr/>
-          <a:lstStyle/>
-          <a:p>
-            <a:r>
-              <a:rPr lang="tr-TR" dirty="0" err="1" smtClean="0"/>
-              <a:t>Polymorphism</a:t>
-            </a:r>
-            <a:r>
-              <a:rPr lang="tr-TR" dirty="0"/>
-              <a:t>:</a:t>
-            </a:r>
-          </a:p>
-        </p:txBody>
-      </p:sp>
-      <p:pic>
-        <p:nvPicPr>
-          <p:cNvPr id="5" name="İçerik Yer Tutucusu 4"/>
-          <p:cNvPicPr>
-            <a:picLocks noGrp="1" noChangeAspect="1"/>
-          </p:cNvPicPr>
-          <p:nvPr>
-            <p:ph sz="half" idx="1"/>
-          </p:nvPr>
-        </p:nvPicPr>
-        <p:blipFill>
-          <a:blip r:embed="rId2"/>
-          <a:stretch>
-            <a:fillRect/>
-          </a:stretch>
-        </p:blipFill>
-        <p:spPr>
-          <a:xfrm>
-            <a:off x="1436915" y="1476102"/>
-            <a:ext cx="7289074" cy="5381898"/>
-          </a:xfrm>
-          <a:prstGeom prst="rect">
-            <a:avLst/>
-          </a:prstGeom>
-        </p:spPr>
-      </p:pic>
-    </p:spTree>
-    <p:extLst>
-      <p:ext uri="{BB962C8B-B14F-4D97-AF65-F5344CB8AC3E}">
-        <p14:creationId xmlns:p14="http://schemas.microsoft.com/office/powerpoint/2010/main" val="829899244"/>
-      </p:ext>
-    </p:extLst>
-  </p:cSld>
-  <p:clrMapOvr>
-    <a:masterClrMapping/>
-  </p:clrMapOvr>
-</p:sld>
-</file>
-
-<file path=ppt/slides/slide7.xml><?xml version="1.0" encoding="utf-8"?>
-<p:sld xmlns:a="http://schemas.openxmlformats.org/drawingml/2006/main" xmlns:r="http://schemas.openxmlformats.org/officeDocument/2006/relationships" xmlns:p="http://schemas.openxmlformats.org/presentationml/2006/main">
-  <p:cSld>
-    <p:spTree>
-      <p:nvGrpSpPr>
-        <p:cNvPr id="1" name=""/>
-        <p:cNvGrpSpPr/>
-        <p:nvPr/>
-      </p:nvGrpSpPr>
-      <p:grpSpPr>
-        <a:xfrm>
-          <a:off x="0" y="0"/>
-          <a:ext cx="0" cy="0"/>
-          <a:chOff x="0" y="0"/>
-          <a:chExt cx="0" cy="0"/>
-        </a:xfrm>
-      </p:grpSpPr>
       <p:sp>
         <p:nvSpPr>
           <p:cNvPr id="4" name="İçerik Yer Tutucusu 3"/>
@@ -3718,7 +3186,7 @@
 </p:sld>
 </file>
 
-<file path=ppt/slides/slide8.xml><?xml version="1.0" encoding="utf-8"?>
+<file path=ppt/slides/slide11.xml><?xml version="1.0" encoding="utf-8"?>
 <p:sld xmlns:a="http://schemas.openxmlformats.org/drawingml/2006/main" xmlns:r="http://schemas.openxmlformats.org/officeDocument/2006/relationships" xmlns:p="http://schemas.openxmlformats.org/presentationml/2006/main">
   <p:cSld>
     <p:spTree>
@@ -3810,7 +3278,7 @@
 </p:sld>
 </file>
 
-<file path=ppt/slides/slide9.xml><?xml version="1.0" encoding="utf-8"?>
+<file path=ppt/slides/slide12.xml><?xml version="1.0" encoding="utf-8"?>
 <p:sld xmlns:a="http://schemas.openxmlformats.org/drawingml/2006/main" xmlns:r="http://schemas.openxmlformats.org/officeDocument/2006/relationships" xmlns:p="http://schemas.openxmlformats.org/presentationml/2006/main">
   <p:cSld>
     <p:spTree>
@@ -3948,6 +3416,709 @@
       </p:par>
     </p:tnLst>
   </p:timing>
+</p:sld>
+</file>
+
+<file path=ppt/slides/slide13.xml><?xml version="1.0" encoding="utf-8"?>
+<p:sld xmlns:a="http://schemas.openxmlformats.org/drawingml/2006/main" xmlns:r="http://schemas.openxmlformats.org/officeDocument/2006/relationships" xmlns:p="http://schemas.openxmlformats.org/presentationml/2006/main">
+  <p:cSld>
+    <p:spTree>
+      <p:nvGrpSpPr>
+        <p:cNvPr id="1" name=""/>
+        <p:cNvGrpSpPr/>
+        <p:nvPr/>
+      </p:nvGrpSpPr>
+      <p:grpSpPr>
+        <a:xfrm>
+          <a:off x="0" y="0"/>
+          <a:ext cx="0" cy="0"/>
+          <a:chOff x="0" y="0"/>
+          <a:chExt cx="0" cy="0"/>
+        </a:xfrm>
+      </p:grpSpPr>
+      <p:pic>
+        <p:nvPicPr>
+          <p:cNvPr id="5" name="İçerik Yer Tutucusu 4"/>
+          <p:cNvPicPr>
+            <a:picLocks noGrp="1" noChangeAspect="1"/>
+          </p:cNvPicPr>
+          <p:nvPr>
+            <p:ph sz="half" idx="1"/>
+          </p:nvPr>
+        </p:nvPicPr>
+        <p:blipFill>
+          <a:blip r:embed="rId2"/>
+          <a:stretch>
+            <a:fillRect/>
+          </a:stretch>
+        </p:blipFill>
+        <p:spPr>
+          <a:xfrm>
+            <a:off x="1" y="1"/>
+            <a:ext cx="6609806" cy="5839096"/>
+          </a:xfrm>
+          <a:prstGeom prst="rect">
+            <a:avLst/>
+          </a:prstGeom>
+        </p:spPr>
+      </p:pic>
+      <p:sp>
+        <p:nvSpPr>
+          <p:cNvPr id="4" name="İçerik Yer Tutucusu 3"/>
+          <p:cNvSpPr>
+            <a:spLocks noGrp="1"/>
+          </p:cNvSpPr>
+          <p:nvPr>
+            <p:ph sz="half" idx="2"/>
+          </p:nvPr>
+        </p:nvSpPr>
+        <p:spPr>
+          <a:xfrm>
+            <a:off x="7010400" y="937351"/>
+            <a:ext cx="5181600" cy="1191895"/>
+          </a:xfrm>
+        </p:spPr>
+        <p:txBody>
+          <a:bodyPr/>
+          <a:lstStyle/>
+          <a:p>
+            <a:pPr marL="0" indent="0">
+              <a:buNone/>
+            </a:pPr>
+            <a:r>
+              <a:rPr lang="tr-TR" dirty="0" smtClean="0"/>
+              <a:t>Bu main dosyası ile </a:t>
+            </a:r>
+            <a:r>
+              <a:rPr lang="tr-TR" dirty="0" err="1" smtClean="0"/>
+              <a:t>Swingi</a:t>
+            </a:r>
+            <a:r>
+              <a:rPr lang="tr-TR" dirty="0" smtClean="0"/>
+              <a:t> çalıştırıp görünür kılıyoruz.</a:t>
+            </a:r>
+            <a:endParaRPr lang="tr-TR" dirty="0"/>
+          </a:p>
+        </p:txBody>
+      </p:sp>
+    </p:spTree>
+    <p:extLst>
+      <p:ext uri="{BB962C8B-B14F-4D97-AF65-F5344CB8AC3E}">
+        <p14:creationId xmlns:p14="http://schemas.microsoft.com/office/powerpoint/2010/main" val="1136329240"/>
+      </p:ext>
+    </p:extLst>
+  </p:cSld>
+  <p:clrMapOvr>
+    <a:masterClrMapping/>
+  </p:clrMapOvr>
+</p:sld>
+</file>
+
+<file path=ppt/slides/slide2.xml><?xml version="1.0" encoding="utf-8"?>
+<p:sld xmlns:a="http://schemas.openxmlformats.org/drawingml/2006/main" xmlns:r="http://schemas.openxmlformats.org/officeDocument/2006/relationships" xmlns:p="http://schemas.openxmlformats.org/presentationml/2006/main">
+  <p:cSld>
+    <p:spTree>
+      <p:nvGrpSpPr>
+        <p:cNvPr id="1" name=""/>
+        <p:cNvGrpSpPr/>
+        <p:nvPr/>
+      </p:nvGrpSpPr>
+      <p:grpSpPr>
+        <a:xfrm>
+          <a:off x="0" y="0"/>
+          <a:ext cx="0" cy="0"/>
+          <a:chOff x="0" y="0"/>
+          <a:chExt cx="0" cy="0"/>
+        </a:xfrm>
+      </p:grpSpPr>
+      <p:sp>
+        <p:nvSpPr>
+          <p:cNvPr id="2" name="Unvan 1"/>
+          <p:cNvSpPr>
+            <a:spLocks noGrp="1"/>
+          </p:cNvSpPr>
+          <p:nvPr>
+            <p:ph type="title"/>
+          </p:nvPr>
+        </p:nvSpPr>
+        <p:spPr/>
+        <p:txBody>
+          <a:bodyPr/>
+          <a:lstStyle/>
+          <a:p>
+            <a:r>
+              <a:rPr lang="tr-TR" dirty="0" smtClean="0"/>
+              <a:t>Proje Özeti ve Kullanılan Teknolojiler:</a:t>
+            </a:r>
+            <a:endParaRPr lang="tr-TR" dirty="0"/>
+          </a:p>
+        </p:txBody>
+      </p:sp>
+      <p:sp>
+        <p:nvSpPr>
+          <p:cNvPr id="3" name="İçerik Yer Tutucusu 2"/>
+          <p:cNvSpPr>
+            <a:spLocks noGrp="1"/>
+          </p:cNvSpPr>
+          <p:nvPr>
+            <p:ph idx="1"/>
+          </p:nvPr>
+        </p:nvSpPr>
+        <p:spPr/>
+        <p:txBody>
+          <a:bodyPr/>
+          <a:lstStyle/>
+          <a:p>
+            <a:r>
+              <a:rPr lang="tr-TR" b="1" dirty="0" smtClean="0"/>
+              <a:t>Özet</a:t>
+            </a:r>
+            <a:r>
+              <a:rPr lang="tr-TR" dirty="0" smtClean="0"/>
+              <a:t>: Projemiz döviz işlemleri ve mesleğe göre belirlenen faizler ile kredi çekme imkanı sağlayan bir banka otomasyonudur.</a:t>
+            </a:r>
+          </a:p>
+          <a:p>
+            <a:r>
+              <a:rPr lang="tr-TR" b="1" dirty="0" smtClean="0"/>
+              <a:t>Teknolojiler</a:t>
+            </a:r>
+            <a:r>
+              <a:rPr lang="tr-TR" dirty="0" smtClean="0"/>
+              <a:t>: </a:t>
+            </a:r>
+            <a:r>
+              <a:rPr lang="tr-TR" dirty="0" err="1" smtClean="0"/>
+              <a:t>Getter-Setter,Inheritance,Encapsulation,Polymorphism,Swing,JSON</a:t>
+            </a:r>
+            <a:endParaRPr lang="tr-TR" dirty="0" smtClean="0"/>
+          </a:p>
+          <a:p>
+            <a:pPr marL="0" indent="0">
+              <a:buNone/>
+            </a:pPr>
+            <a:endParaRPr lang="tr-TR" dirty="0"/>
+          </a:p>
+        </p:txBody>
+      </p:sp>
+    </p:spTree>
+    <p:extLst>
+      <p:ext uri="{BB962C8B-B14F-4D97-AF65-F5344CB8AC3E}">
+        <p14:creationId xmlns:p14="http://schemas.microsoft.com/office/powerpoint/2010/main" val="1472162053"/>
+      </p:ext>
+    </p:extLst>
+  </p:cSld>
+  <p:clrMapOvr>
+    <a:masterClrMapping/>
+  </p:clrMapOvr>
+</p:sld>
+</file>
+
+<file path=ppt/slides/slide3.xml><?xml version="1.0" encoding="utf-8"?>
+<p:sld xmlns:a="http://schemas.openxmlformats.org/drawingml/2006/main" xmlns:r="http://schemas.openxmlformats.org/officeDocument/2006/relationships" xmlns:p="http://schemas.openxmlformats.org/presentationml/2006/main">
+  <p:cSld>
+    <p:spTree>
+      <p:nvGrpSpPr>
+        <p:cNvPr id="1" name=""/>
+        <p:cNvGrpSpPr/>
+        <p:nvPr/>
+      </p:nvGrpSpPr>
+      <p:grpSpPr>
+        <a:xfrm>
+          <a:off x="0" y="0"/>
+          <a:ext cx="0" cy="0"/>
+          <a:chOff x="0" y="0"/>
+          <a:chExt cx="0" cy="0"/>
+        </a:xfrm>
+      </p:grpSpPr>
+      <p:sp>
+        <p:nvSpPr>
+          <p:cNvPr id="2" name="Unvan 1"/>
+          <p:cNvSpPr>
+            <a:spLocks noGrp="1"/>
+          </p:cNvSpPr>
+          <p:nvPr>
+            <p:ph type="title"/>
+          </p:nvPr>
+        </p:nvSpPr>
+        <p:spPr/>
+        <p:txBody>
+          <a:bodyPr/>
+          <a:lstStyle/>
+          <a:p>
+            <a:endParaRPr lang="tr-TR" dirty="0"/>
+          </a:p>
+        </p:txBody>
+      </p:sp>
+      <p:pic>
+        <p:nvPicPr>
+          <p:cNvPr id="4" name="İçerik Yer Tutucusu 3"/>
+          <p:cNvPicPr>
+            <a:picLocks noGrp="1" noChangeAspect="1"/>
+          </p:cNvPicPr>
+          <p:nvPr>
+            <p:ph idx="1"/>
+          </p:nvPr>
+        </p:nvPicPr>
+        <p:blipFill>
+          <a:blip r:embed="rId2"/>
+          <a:stretch>
+            <a:fillRect/>
+          </a:stretch>
+        </p:blipFill>
+        <p:spPr>
+          <a:xfrm>
+            <a:off x="838200" y="218472"/>
+            <a:ext cx="10933611" cy="6639528"/>
+          </a:xfrm>
+          <a:prstGeom prst="rect">
+            <a:avLst/>
+          </a:prstGeom>
+        </p:spPr>
+      </p:pic>
+    </p:spTree>
+    <p:extLst>
+      <p:ext uri="{BB962C8B-B14F-4D97-AF65-F5344CB8AC3E}">
+        <p14:creationId xmlns:p14="http://schemas.microsoft.com/office/powerpoint/2010/main" val="1203596404"/>
+      </p:ext>
+    </p:extLst>
+  </p:cSld>
+  <p:clrMapOvr>
+    <a:masterClrMapping/>
+  </p:clrMapOvr>
+</p:sld>
+</file>
+
+<file path=ppt/slides/slide4.xml><?xml version="1.0" encoding="utf-8"?>
+<p:sld xmlns:a="http://schemas.openxmlformats.org/drawingml/2006/main" xmlns:r="http://schemas.openxmlformats.org/officeDocument/2006/relationships" xmlns:p="http://schemas.openxmlformats.org/presentationml/2006/main">
+  <p:cSld>
+    <p:spTree>
+      <p:nvGrpSpPr>
+        <p:cNvPr id="1" name=""/>
+        <p:cNvGrpSpPr/>
+        <p:nvPr/>
+      </p:nvGrpSpPr>
+      <p:grpSpPr>
+        <a:xfrm>
+          <a:off x="0" y="0"/>
+          <a:ext cx="0" cy="0"/>
+          <a:chOff x="0" y="0"/>
+          <a:chExt cx="0" cy="0"/>
+        </a:xfrm>
+      </p:grpSpPr>
+      <p:pic>
+        <p:nvPicPr>
+          <p:cNvPr id="4" name="İçerik Yer Tutucusu 3"/>
+          <p:cNvPicPr>
+            <a:picLocks noGrp="1" noChangeAspect="1"/>
+          </p:cNvPicPr>
+          <p:nvPr>
+            <p:ph idx="1"/>
+          </p:nvPr>
+        </p:nvPicPr>
+        <p:blipFill>
+          <a:blip r:embed="rId2"/>
+          <a:stretch>
+            <a:fillRect/>
+          </a:stretch>
+        </p:blipFill>
+        <p:spPr>
+          <a:xfrm>
+            <a:off x="107395" y="300446"/>
+            <a:ext cx="12005260" cy="5159828"/>
+          </a:xfrm>
+          <a:prstGeom prst="rect">
+            <a:avLst/>
+          </a:prstGeom>
+        </p:spPr>
+      </p:pic>
+    </p:spTree>
+    <p:extLst>
+      <p:ext uri="{BB962C8B-B14F-4D97-AF65-F5344CB8AC3E}">
+        <p14:creationId xmlns:p14="http://schemas.microsoft.com/office/powerpoint/2010/main" val="2220965622"/>
+      </p:ext>
+    </p:extLst>
+  </p:cSld>
+  <p:clrMapOvr>
+    <a:masterClrMapping/>
+  </p:clrMapOvr>
+</p:sld>
+</file>
+
+<file path=ppt/slides/slide5.xml><?xml version="1.0" encoding="utf-8"?>
+<p:sld xmlns:a="http://schemas.openxmlformats.org/drawingml/2006/main" xmlns:r="http://schemas.openxmlformats.org/officeDocument/2006/relationships" xmlns:p="http://schemas.openxmlformats.org/presentationml/2006/main">
+  <p:cSld>
+    <p:spTree>
+      <p:nvGrpSpPr>
+        <p:cNvPr id="1" name=""/>
+        <p:cNvGrpSpPr/>
+        <p:nvPr/>
+      </p:nvGrpSpPr>
+      <p:grpSpPr>
+        <a:xfrm>
+          <a:off x="0" y="0"/>
+          <a:ext cx="0" cy="0"/>
+          <a:chOff x="0" y="0"/>
+          <a:chExt cx="0" cy="0"/>
+        </a:xfrm>
+      </p:grpSpPr>
+      <p:pic>
+        <p:nvPicPr>
+          <p:cNvPr id="4" name="İçerik Yer Tutucusu 3"/>
+          <p:cNvPicPr>
+            <a:picLocks noGrp="1" noChangeAspect="1"/>
+          </p:cNvPicPr>
+          <p:nvPr>
+            <p:ph idx="1"/>
+          </p:nvPr>
+        </p:nvPicPr>
+        <p:blipFill>
+          <a:blip r:embed="rId2"/>
+          <a:stretch>
+            <a:fillRect/>
+          </a:stretch>
+        </p:blipFill>
+        <p:spPr>
+          <a:xfrm>
+            <a:off x="222069" y="391885"/>
+            <a:ext cx="11247120" cy="5839097"/>
+          </a:xfrm>
+          <a:prstGeom prst="rect">
+            <a:avLst/>
+          </a:prstGeom>
+        </p:spPr>
+      </p:pic>
+    </p:spTree>
+    <p:extLst>
+      <p:ext uri="{BB962C8B-B14F-4D97-AF65-F5344CB8AC3E}">
+        <p14:creationId xmlns:p14="http://schemas.microsoft.com/office/powerpoint/2010/main" val="2652095085"/>
+      </p:ext>
+    </p:extLst>
+  </p:cSld>
+  <p:clrMapOvr>
+    <a:masterClrMapping/>
+  </p:clrMapOvr>
+</p:sld>
+</file>
+
+<file path=ppt/slides/slide6.xml><?xml version="1.0" encoding="utf-8"?>
+<p:sld xmlns:a="http://schemas.openxmlformats.org/drawingml/2006/main" xmlns:r="http://schemas.openxmlformats.org/officeDocument/2006/relationships" xmlns:p="http://schemas.openxmlformats.org/presentationml/2006/main">
+  <p:cSld>
+    <p:spTree>
+      <p:nvGrpSpPr>
+        <p:cNvPr id="1" name=""/>
+        <p:cNvGrpSpPr/>
+        <p:nvPr/>
+      </p:nvGrpSpPr>
+      <p:grpSpPr>
+        <a:xfrm>
+          <a:off x="0" y="0"/>
+          <a:ext cx="0" cy="0"/>
+          <a:chOff x="0" y="0"/>
+          <a:chExt cx="0" cy="0"/>
+        </a:xfrm>
+      </p:grpSpPr>
+      <p:pic>
+        <p:nvPicPr>
+          <p:cNvPr id="4" name="İçerik Yer Tutucusu 3"/>
+          <p:cNvPicPr>
+            <a:picLocks noGrp="1" noChangeAspect="1"/>
+          </p:cNvPicPr>
+          <p:nvPr>
+            <p:ph idx="1"/>
+          </p:nvPr>
+        </p:nvPicPr>
+        <p:blipFill>
+          <a:blip r:embed="rId2"/>
+          <a:stretch>
+            <a:fillRect/>
+          </a:stretch>
+        </p:blipFill>
+        <p:spPr>
+          <a:xfrm>
+            <a:off x="307420" y="561703"/>
+            <a:ext cx="10234306" cy="6081255"/>
+          </a:xfrm>
+          <a:prstGeom prst="rect">
+            <a:avLst/>
+          </a:prstGeom>
+        </p:spPr>
+      </p:pic>
+    </p:spTree>
+    <p:extLst>
+      <p:ext uri="{BB962C8B-B14F-4D97-AF65-F5344CB8AC3E}">
+        <p14:creationId xmlns:p14="http://schemas.microsoft.com/office/powerpoint/2010/main" val="3537833923"/>
+      </p:ext>
+    </p:extLst>
+  </p:cSld>
+  <p:clrMapOvr>
+    <a:masterClrMapping/>
+  </p:clrMapOvr>
+</p:sld>
+</file>
+
+<file path=ppt/slides/slide7.xml><?xml version="1.0" encoding="utf-8"?>
+<p:sld xmlns:a="http://schemas.openxmlformats.org/drawingml/2006/main" xmlns:r="http://schemas.openxmlformats.org/officeDocument/2006/relationships" xmlns:p="http://schemas.openxmlformats.org/presentationml/2006/main">
+  <p:cSld>
+    <p:spTree>
+      <p:nvGrpSpPr>
+        <p:cNvPr id="1" name=""/>
+        <p:cNvGrpSpPr/>
+        <p:nvPr/>
+      </p:nvGrpSpPr>
+      <p:grpSpPr>
+        <a:xfrm>
+          <a:off x="0" y="0"/>
+          <a:ext cx="0" cy="0"/>
+          <a:chOff x="0" y="0"/>
+          <a:chExt cx="0" cy="0"/>
+        </a:xfrm>
+      </p:grpSpPr>
+      <p:pic>
+        <p:nvPicPr>
+          <p:cNvPr id="4" name="İçerik Yer Tutucusu 3"/>
+          <p:cNvPicPr>
+            <a:picLocks noGrp="1" noChangeAspect="1"/>
+          </p:cNvPicPr>
+          <p:nvPr>
+            <p:ph sz="half" idx="1"/>
+          </p:nvPr>
+        </p:nvPicPr>
+        <p:blipFill>
+          <a:blip r:embed="rId2"/>
+          <a:stretch>
+            <a:fillRect/>
+          </a:stretch>
+        </p:blipFill>
+        <p:spPr>
+          <a:xfrm>
+            <a:off x="1" y="0"/>
+            <a:ext cx="12191999" cy="3500845"/>
+          </a:xfrm>
+          <a:prstGeom prst="rect">
+            <a:avLst/>
+          </a:prstGeom>
+        </p:spPr>
+      </p:pic>
+      <p:sp>
+        <p:nvSpPr>
+          <p:cNvPr id="6" name="İçerik Yer Tutucusu 5"/>
+          <p:cNvSpPr>
+            <a:spLocks noGrp="1"/>
+          </p:cNvSpPr>
+          <p:nvPr>
+            <p:ph sz="half" idx="2"/>
+          </p:nvPr>
+        </p:nvSpPr>
+        <p:spPr>
+          <a:xfrm>
+            <a:off x="0" y="3500845"/>
+            <a:ext cx="12192000" cy="3133317"/>
+          </a:xfrm>
+        </p:spPr>
+        <p:txBody>
+          <a:bodyPr/>
+          <a:lstStyle/>
+          <a:p>
+            <a:r>
+              <a:rPr lang="tr-TR" dirty="0" smtClean="0"/>
+              <a:t>Başlangıçta internetten veri çekerek döviz işlemlerini yapmayı planlamıştık. Fakat JSON ile çektiğimiz bu veriyi (yukarıdaki gibi) </a:t>
+            </a:r>
+            <a:r>
+              <a:rPr lang="tr-TR" dirty="0" err="1" smtClean="0"/>
+              <a:t>Swing</a:t>
+            </a:r>
+            <a:r>
+              <a:rPr lang="tr-TR" dirty="0" smtClean="0"/>
+              <a:t> ile </a:t>
+            </a:r>
+            <a:r>
+              <a:rPr lang="tr-TR" dirty="0" err="1" smtClean="0"/>
+              <a:t>arayüze</a:t>
+            </a:r>
+            <a:r>
+              <a:rPr lang="tr-TR" dirty="0" smtClean="0"/>
+              <a:t> ekleyemedik bir türlü. Bu yüzden kur değerlerini sabit bir şekilde elimizle girdik ve döviz işlemlerini bu şekilde yaptık.</a:t>
+            </a:r>
+            <a:endParaRPr lang="tr-TR" dirty="0"/>
+          </a:p>
+        </p:txBody>
+      </p:sp>
+    </p:spTree>
+    <p:extLst>
+      <p:ext uri="{BB962C8B-B14F-4D97-AF65-F5344CB8AC3E}">
+        <p14:creationId xmlns:p14="http://schemas.microsoft.com/office/powerpoint/2010/main" val="462317456"/>
+      </p:ext>
+    </p:extLst>
+  </p:cSld>
+  <p:clrMapOvr>
+    <a:masterClrMapping/>
+  </p:clrMapOvr>
+</p:sld>
+</file>
+
+<file path=ppt/slides/slide8.xml><?xml version="1.0" encoding="utf-8"?>
+<p:sld xmlns:a="http://schemas.openxmlformats.org/drawingml/2006/main" xmlns:r="http://schemas.openxmlformats.org/officeDocument/2006/relationships" xmlns:p="http://schemas.openxmlformats.org/presentationml/2006/main">
+  <p:cSld>
+    <p:spTree>
+      <p:nvGrpSpPr>
+        <p:cNvPr id="1" name=""/>
+        <p:cNvGrpSpPr/>
+        <p:nvPr/>
+      </p:nvGrpSpPr>
+      <p:grpSpPr>
+        <a:xfrm>
+          <a:off x="0" y="0"/>
+          <a:ext cx="0" cy="0"/>
+          <a:chOff x="0" y="0"/>
+          <a:chExt cx="0" cy="0"/>
+        </a:xfrm>
+      </p:grpSpPr>
+      <p:pic>
+        <p:nvPicPr>
+          <p:cNvPr id="5" name="İçerik Yer Tutucusu 4"/>
+          <p:cNvPicPr>
+            <a:picLocks noGrp="1" noChangeAspect="1"/>
+          </p:cNvPicPr>
+          <p:nvPr>
+            <p:ph sz="half" idx="1"/>
+          </p:nvPr>
+        </p:nvPicPr>
+        <p:blipFill>
+          <a:blip r:embed="rId2"/>
+          <a:stretch>
+            <a:fillRect/>
+          </a:stretch>
+        </p:blipFill>
+        <p:spPr>
+          <a:xfrm>
+            <a:off x="681446" y="1051335"/>
+            <a:ext cx="5181600" cy="4201746"/>
+          </a:xfrm>
+          <a:prstGeom prst="rect">
+            <a:avLst/>
+          </a:prstGeom>
+        </p:spPr>
+      </p:pic>
+      <p:sp>
+        <p:nvSpPr>
+          <p:cNvPr id="4" name="İçerik Yer Tutucusu 3"/>
+          <p:cNvSpPr>
+            <a:spLocks noGrp="1"/>
+          </p:cNvSpPr>
+          <p:nvPr>
+            <p:ph sz="half" idx="2"/>
+          </p:nvPr>
+        </p:nvSpPr>
+        <p:spPr>
+          <a:xfrm>
+            <a:off x="6133011" y="1051335"/>
+            <a:ext cx="5181600" cy="4351338"/>
+          </a:xfrm>
+        </p:spPr>
+        <p:txBody>
+          <a:bodyPr/>
+          <a:lstStyle/>
+          <a:p>
+            <a:r>
+              <a:rPr lang="tr-TR" dirty="0" smtClean="0"/>
+              <a:t>Programda aylık ne kadar ödeyeceği, totalde ne kadar ödeyeceği ve ne kadar faiz uygulanacağı gösteriliyor. Sabit bir şekilde kur değerleri gösteriliyor. Döviz işlemleri kısmında ise Türk Lirası kısmına kaç lira girdiyseniz hedef para (USD,EUR,GBP,ALTIN)birimindeki değerini gösteriyor.</a:t>
+            </a:r>
+          </a:p>
+        </p:txBody>
+      </p:sp>
+    </p:spTree>
+    <p:extLst>
+      <p:ext uri="{BB962C8B-B14F-4D97-AF65-F5344CB8AC3E}">
+        <p14:creationId xmlns:p14="http://schemas.microsoft.com/office/powerpoint/2010/main" val="1540771796"/>
+      </p:ext>
+    </p:extLst>
+  </p:cSld>
+  <p:clrMapOvr>
+    <a:masterClrMapping/>
+  </p:clrMapOvr>
+</p:sld>
+</file>
+
+<file path=ppt/slides/slide9.xml><?xml version="1.0" encoding="utf-8"?>
+<p:sld xmlns:a="http://schemas.openxmlformats.org/drawingml/2006/main" xmlns:r="http://schemas.openxmlformats.org/officeDocument/2006/relationships" xmlns:p="http://schemas.openxmlformats.org/presentationml/2006/main">
+  <p:cSld>
+    <p:spTree>
+      <p:nvGrpSpPr>
+        <p:cNvPr id="1" name=""/>
+        <p:cNvGrpSpPr/>
+        <p:nvPr/>
+      </p:nvGrpSpPr>
+      <p:grpSpPr>
+        <a:xfrm>
+          <a:off x="0" y="0"/>
+          <a:ext cx="0" cy="0"/>
+          <a:chOff x="0" y="0"/>
+          <a:chExt cx="0" cy="0"/>
+        </a:xfrm>
+      </p:grpSpPr>
+      <p:sp>
+        <p:nvSpPr>
+          <p:cNvPr id="2" name="Unvan 1"/>
+          <p:cNvSpPr>
+            <a:spLocks noGrp="1"/>
+          </p:cNvSpPr>
+          <p:nvPr>
+            <p:ph type="title"/>
+          </p:nvPr>
+        </p:nvSpPr>
+        <p:spPr/>
+        <p:txBody>
+          <a:bodyPr/>
+          <a:lstStyle/>
+          <a:p>
+            <a:r>
+              <a:rPr lang="tr-TR" dirty="0" err="1" smtClean="0"/>
+              <a:t>Polymorphism</a:t>
+            </a:r>
+            <a:r>
+              <a:rPr lang="tr-TR" dirty="0"/>
+              <a:t>:</a:t>
+            </a:r>
+          </a:p>
+        </p:txBody>
+      </p:sp>
+      <p:pic>
+        <p:nvPicPr>
+          <p:cNvPr id="5" name="İçerik Yer Tutucusu 4"/>
+          <p:cNvPicPr>
+            <a:picLocks noGrp="1" noChangeAspect="1"/>
+          </p:cNvPicPr>
+          <p:nvPr>
+            <p:ph sz="half" idx="1"/>
+          </p:nvPr>
+        </p:nvPicPr>
+        <p:blipFill>
+          <a:blip r:embed="rId2"/>
+          <a:stretch>
+            <a:fillRect/>
+          </a:stretch>
+        </p:blipFill>
+        <p:spPr>
+          <a:xfrm>
+            <a:off x="1436915" y="1476102"/>
+            <a:ext cx="7289074" cy="5381898"/>
+          </a:xfrm>
+          <a:prstGeom prst="rect">
+            <a:avLst/>
+          </a:prstGeom>
+        </p:spPr>
+      </p:pic>
+    </p:spTree>
+    <p:extLst>
+      <p:ext uri="{BB962C8B-B14F-4D97-AF65-F5344CB8AC3E}">
+        <p14:creationId xmlns:p14="http://schemas.microsoft.com/office/powerpoint/2010/main" val="829899244"/>
+      </p:ext>
+    </p:extLst>
+  </p:cSld>
+  <p:clrMapOvr>
+    <a:masterClrMapping/>
+  </p:clrMapOvr>
 </p:sld>
 </file>
 
